--- a/FE.pptx
+++ b/FE.pptx
@@ -10938,26 +10938,10 @@
           <a:p>
             <a:pPr lvl="1"/>
             <a:r>
-              <a:rPr lang="zh-CN" altLang="en-US">
-                <a:solidFill>
-                  <a:schemeClr val="tx1"/>
-                </a:solidFill>
-              </a:rPr>
-              <a:t>单独：</a:t>
-            </a:r>
-            <a:r>
-              <a:rPr lang="en-US" altLang="zh-CN">
-                <a:solidFill>
-                  <a:schemeClr val="tx1"/>
-                </a:solidFill>
-              </a:rPr>
-              <a:t>padding-top: 10px;</a:t>
-            </a:r>
-            <a:endParaRPr lang="zh-CN" altLang="en-US">
-              <a:solidFill>
-                <a:srgbClr val="00B050"/>
-              </a:solidFill>
-            </a:endParaRPr>
+              <a:rPr lang="zh-CN" altLang="en-US"/>
+              <a:t>单独：padding-top: 10px;</a:t>
+            </a:r>
+            <a:endParaRPr lang="zh-CN" altLang="en-US"/>
           </a:p>
           <a:p>
             <a:r>
@@ -11494,22 +11478,40 @@
               <a:rPr lang="zh-CN" altLang="en-US" dirty="0">
                 <a:sym typeface="+mn-ea"/>
               </a:rPr>
-              <a:t>（常用，浏览器中按 </a:t>
+              <a:t>（常用，</a:t>
+            </a:r>
+            <a:r>
+              <a:rPr lang="zh-CN" altLang="en-US" dirty="0">
+                <a:solidFill>
+                  <a:srgbClr val="00B050"/>
+                </a:solidFill>
+                <a:sym typeface="+mn-ea"/>
+              </a:rPr>
+              <a:t>浏览器中按 </a:t>
             </a:r>
             <a:r>
               <a:rPr lang="en-US" altLang="zh-CN" dirty="0">
+                <a:solidFill>
+                  <a:srgbClr val="00B050"/>
+                </a:solidFill>
                 <a:sym typeface="+mn-ea"/>
               </a:rPr>
               <a:t>F12</a:t>
             </a:r>
             <a:r>
               <a:rPr lang="zh-CN" altLang="en-US" dirty="0">
+                <a:solidFill>
+                  <a:srgbClr val="00B050"/>
+                </a:solidFill>
                 <a:sym typeface="+mn-ea"/>
               </a:rPr>
               <a:t>，选择控制台或 </a:t>
             </a:r>
             <a:r>
               <a:rPr lang="en-US" altLang="zh-CN" dirty="0">
+                <a:solidFill>
+                  <a:srgbClr val="00B050"/>
+                </a:solidFill>
                 <a:sym typeface="+mn-ea"/>
               </a:rPr>
               <a:t>Console</a:t>
@@ -13147,16 +13149,125 @@
           <a:lstStyle/>
           <a:p>
             <a:r>
-              <a:rPr kumimoji="1" lang="zh-CN" altLang="en-US" dirty="0"/>
-              <a:t>函数</a:t>
-            </a:r>
-            <a:endParaRPr kumimoji="1" lang="zh-CN" altLang="en-US" dirty="0"/>
+              <a:rPr kumimoji="1" lang="zh-CN" altLang="en-US" cap="none" dirty="0">
+                <a:solidFill>
+                  <a:srgbClr val="5C307D"/>
+                </a:solidFill>
+                <a:uFillTx/>
+              </a:rPr>
+              <a:t>函数：</a:t>
+            </a:r>
+            <a:r>
+              <a:rPr kumimoji="1" lang="en-US" altLang="zh-CN" cap="none" dirty="0">
+                <a:solidFill>
+                  <a:srgbClr val="5C307D"/>
+                </a:solidFill>
+                <a:uFillTx/>
+              </a:rPr>
+              <a:t>js-function.html</a:t>
+            </a:r>
+            <a:endParaRPr kumimoji="1" lang="en-US" altLang="zh-CN" cap="none" dirty="0">
+              <a:solidFill>
+                <a:srgbClr val="5C307D"/>
+              </a:solidFill>
+              <a:uFillTx/>
+            </a:endParaRPr>
+          </a:p>
+        </p:txBody>
+      </p:sp>
+      <p:sp>
+        <p:nvSpPr>
+          <p:cNvPr id="13" name="文本框 12"/>
+          <p:cNvSpPr txBox="1"/>
+          <p:nvPr/>
+        </p:nvSpPr>
+        <p:spPr>
+          <a:xfrm>
+            <a:off x="3733165" y="3175000"/>
+            <a:ext cx="2127250" cy="368300"/>
+          </a:xfrm>
+          <a:prstGeom prst="rect">
+            <a:avLst/>
+          </a:prstGeom>
+          <a:noFill/>
+        </p:spPr>
+        <p:txBody>
+          <a:bodyPr wrap="square" rtlCol="0">
+            <a:spAutoFit/>
+          </a:bodyPr>
+          <a:p>
+            <a:pPr algn="ctr"/>
+            <a:r>
+              <a:rPr lang="zh-CN" altLang="en-US" dirty="0"/>
+              <a:t>定义函数</a:t>
+            </a:r>
+            <a:endParaRPr lang="zh-CN" altLang="en-US" dirty="0"/>
+          </a:p>
+        </p:txBody>
+      </p:sp>
+      <p:sp>
+        <p:nvSpPr>
+          <p:cNvPr id="8" name="文本框 7"/>
+          <p:cNvSpPr txBox="1"/>
+          <p:nvPr/>
+        </p:nvSpPr>
+        <p:spPr>
+          <a:xfrm>
+            <a:off x="9067165" y="3244850"/>
+            <a:ext cx="2127250" cy="368300"/>
+          </a:xfrm>
+          <a:prstGeom prst="rect">
+            <a:avLst/>
+          </a:prstGeom>
+          <a:noFill/>
+        </p:spPr>
+        <p:txBody>
+          <a:bodyPr wrap="square" rtlCol="0">
+            <a:spAutoFit/>
+          </a:bodyPr>
+          <a:p>
+            <a:pPr algn="ctr"/>
+            <a:r>
+              <a:rPr lang="zh-CN" altLang="en-US" dirty="0"/>
+              <a:t>调用函数</a:t>
+            </a:r>
+            <a:endParaRPr lang="zh-CN" altLang="en-US" dirty="0"/>
+          </a:p>
+        </p:txBody>
+      </p:sp>
+      <p:sp>
+        <p:nvSpPr>
+          <p:cNvPr id="9" name="文本框 8"/>
+          <p:cNvSpPr txBox="1"/>
+          <p:nvPr/>
+        </p:nvSpPr>
+        <p:spPr>
+          <a:xfrm>
+            <a:off x="2082165" y="5760085"/>
+            <a:ext cx="2127250" cy="368300"/>
+          </a:xfrm>
+          <a:prstGeom prst="rect">
+            <a:avLst/>
+          </a:prstGeom>
+          <a:noFill/>
+        </p:spPr>
+        <p:txBody>
+          <a:bodyPr wrap="square" rtlCol="0">
+            <a:spAutoFit/>
+          </a:bodyPr>
+          <a:p>
+            <a:pPr algn="ctr"/>
+            <a:r>
+              <a:rPr lang="zh-CN" altLang="en-US" dirty="0"/>
+              <a:t>函数示例</a:t>
+            </a:r>
+            <a:endParaRPr lang="zh-CN" altLang="en-US" dirty="0"/>
           </a:p>
         </p:txBody>
       </p:sp>
       <p:pic>
         <p:nvPicPr>
-          <p:cNvPr id="4" name="图片 3" descr="截屏2021-10-26 13.22.28"/>
+          <p:cNvPr id="10" name="图片 9" descr="截屏2021-10-26 17.48.33"/>
           <p:cNvPicPr>
             <a:picLocks noChangeAspect="1"/>
           </p:cNvPicPr>
@@ -13170,8 +13281,8 @@
         </p:blipFill>
         <p:spPr>
           <a:xfrm>
-            <a:off x="1177290" y="2357120"/>
-            <a:ext cx="7265035" cy="889000"/>
+            <a:off x="1177290" y="2311400"/>
+            <a:ext cx="7239635" cy="863600"/>
           </a:xfrm>
           <a:prstGeom prst="rect">
             <a:avLst/>
@@ -13180,7 +13291,7 @@
       </p:pic>
       <p:pic>
         <p:nvPicPr>
-          <p:cNvPr id="6" name="图片 5" descr="截屏2021-10-26 13.23.45"/>
+          <p:cNvPr id="11" name="图片 10" descr="截屏2021-10-26 17.49.00"/>
           <p:cNvPicPr>
             <a:picLocks noChangeAspect="1"/>
           </p:cNvPicPr>
@@ -13194,47 +13305,17 @@
         </p:blipFill>
         <p:spPr>
           <a:xfrm>
-            <a:off x="1177290" y="3994785"/>
-            <a:ext cx="3441700" cy="1765300"/>
+            <a:off x="8530590" y="2844800"/>
+            <a:ext cx="3200400" cy="330200"/>
           </a:xfrm>
           <a:prstGeom prst="rect">
             <a:avLst/>
           </a:prstGeom>
         </p:spPr>
       </p:pic>
-      <p:sp>
-        <p:nvSpPr>
-          <p:cNvPr id="13" name="文本框 12"/>
-          <p:cNvSpPr txBox="1"/>
-          <p:nvPr/>
-        </p:nvSpPr>
-        <p:spPr>
-          <a:xfrm>
-            <a:off x="3746500" y="3246120"/>
-            <a:ext cx="2127250" cy="368300"/>
-          </a:xfrm>
-          <a:prstGeom prst="rect">
-            <a:avLst/>
-          </a:prstGeom>
-          <a:noFill/>
-        </p:spPr>
-        <p:txBody>
-          <a:bodyPr wrap="square" rtlCol="0">
-            <a:spAutoFit/>
-          </a:bodyPr>
-          <a:p>
-            <a:pPr algn="ctr"/>
-            <a:r>
-              <a:rPr lang="zh-CN" altLang="en-US" dirty="0"/>
-              <a:t>定义函数</a:t>
-            </a:r>
-            <a:endParaRPr lang="zh-CN" altLang="en-US" dirty="0"/>
-          </a:p>
-        </p:txBody>
-      </p:sp>
       <p:pic>
         <p:nvPicPr>
-          <p:cNvPr id="7" name="图片 6" descr="截屏2021-10-26 13.24.38"/>
+          <p:cNvPr id="12" name="图片 11" descr="截屏2021-10-26 17.51.06"/>
           <p:cNvPicPr>
             <a:picLocks noChangeAspect="1"/>
           </p:cNvPicPr>
@@ -13248,23 +13329,47 @@
         </p:blipFill>
         <p:spPr>
           <a:xfrm>
-            <a:off x="9451975" y="2357120"/>
-            <a:ext cx="1066800" cy="393700"/>
+            <a:off x="1177290" y="3804285"/>
+            <a:ext cx="3937000" cy="1955800"/>
           </a:xfrm>
           <a:prstGeom prst="rect">
             <a:avLst/>
           </a:prstGeom>
         </p:spPr>
       </p:pic>
-      <p:sp>
-        <p:nvSpPr>
-          <p:cNvPr id="8" name="文本框 7"/>
+      <p:pic>
+        <p:nvPicPr>
+          <p:cNvPr id="14" name="图片 13" descr="截屏2021-10-26 17.51.50"/>
+          <p:cNvPicPr>
+            <a:picLocks noChangeAspect="1"/>
+          </p:cNvPicPr>
+          <p:nvPr/>
+        </p:nvPicPr>
+        <p:blipFill>
+          <a:blip r:embed="rId4"/>
+          <a:stretch>
+            <a:fillRect/>
+          </a:stretch>
+        </p:blipFill>
+        <p:spPr>
+          <a:xfrm>
+            <a:off x="6786245" y="4401185"/>
+            <a:ext cx="1168400" cy="762000"/>
+          </a:xfrm>
+          <a:prstGeom prst="rect">
+            <a:avLst/>
+          </a:prstGeom>
+        </p:spPr>
+      </p:pic>
+      <p:sp>
+        <p:nvSpPr>
+          <p:cNvPr id="15" name="文本框 14"/>
           <p:cNvSpPr txBox="1"/>
           <p:nvPr/>
         </p:nvSpPr>
         <p:spPr>
           <a:xfrm>
-            <a:off x="8921750" y="3246120"/>
+            <a:off x="6306820" y="5163185"/>
             <a:ext cx="2127250" cy="368300"/>
           </a:xfrm>
           <a:prstGeom prst="rect">
@@ -13280,42 +13385,51 @@
             <a:pPr algn="ctr"/>
             <a:r>
               <a:rPr lang="zh-CN" altLang="en-US" dirty="0"/>
-              <a:t>调用函数</a:t>
+              <a:t>输出</a:t>
             </a:r>
             <a:endParaRPr lang="zh-CN" altLang="en-US" dirty="0"/>
           </a:p>
         </p:txBody>
       </p:sp>
-      <p:sp>
-        <p:nvSpPr>
-          <p:cNvPr id="9" name="文本框 8"/>
-          <p:cNvSpPr txBox="1"/>
+      <p:cxnSp>
+        <p:nvCxnSpPr>
+          <p:cNvPr id="16" name="直接箭头连接符 15"/>
+          <p:cNvCxnSpPr>
+            <a:stCxn id="12" idx="3"/>
+            <a:endCxn id="14" idx="1"/>
+          </p:cNvCxnSpPr>
           <p:nvPr/>
-        </p:nvSpPr>
-        <p:spPr>
-          <a:xfrm>
-            <a:off x="1834515" y="5760085"/>
-            <a:ext cx="2127250" cy="368300"/>
-          </a:xfrm>
-          <a:prstGeom prst="rect">
+        </p:nvCxnSpPr>
+        <p:spPr>
+          <a:xfrm>
+            <a:off x="5114290" y="4782185"/>
+            <a:ext cx="1671955" cy="0"/>
+          </a:xfrm>
+          <a:prstGeom prst="straightConnector1">
             <a:avLst/>
           </a:prstGeom>
-          <a:noFill/>
-        </p:spPr>
-        <p:txBody>
-          <a:bodyPr wrap="square" rtlCol="0">
-            <a:spAutoFit/>
-          </a:bodyPr>
-          <a:p>
-            <a:pPr algn="ctr"/>
-            <a:r>
-              <a:rPr lang="zh-CN" altLang="en-US" dirty="0"/>
-              <a:t>函数示例</a:t>
-            </a:r>
-            <a:endParaRPr lang="zh-CN" altLang="en-US" dirty="0"/>
-          </a:p>
-        </p:txBody>
-      </p:sp>
+          <a:ln w="19050">
+            <a:solidFill>
+              <a:schemeClr val="tx1"/>
+            </a:solidFill>
+            <a:tailEnd type="arrow"/>
+          </a:ln>
+        </p:spPr>
+        <p:style>
+          <a:lnRef idx="1">
+            <a:schemeClr val="accent1"/>
+          </a:lnRef>
+          <a:fillRef idx="0">
+            <a:schemeClr val="accent1"/>
+          </a:fillRef>
+          <a:effectRef idx="0">
+            <a:schemeClr val="accent1"/>
+          </a:effectRef>
+          <a:fontRef idx="minor">
+            <a:schemeClr val="tx1"/>
+          </a:fontRef>
+        </p:style>
+      </p:cxnSp>
     </p:spTree>
   </p:cSld>
   <p:clrMapOvr>
